--- a/files/evg/EVG_example.pptx
+++ b/files/evg/EVG_example.pptx
@@ -5,7 +5,7 @@
     <p:sldMasterId r:id="rId1" id="2147483648"/>
   </p:sldMasterIdLst>
   <p:sldIdLst>
-    <p:sldId r:id="rId6" id="263725234"/>
+    <p:sldId r:id="rId6" id="1899978384"/>
   </p:sldIdLst>
   <p:sldSz cy="6858000" cx="12192000"/>
   <p:notesSz cy="9144000" cx="6858000"/>
@@ -2821,7 +2821,7 @@
           <p:spPr>
             <a:xfrm>
               <a:off y="1825625" x="838200"/>
-              <a:ext cy="4351338" cx="5181600"/>
+              <a:ext cy="4351337" cx="5181599"/>
             </a:xfrm>
             <a:prstGeom prst="rect">
               <a:avLst/>
@@ -2831,7 +2831,7 @@
                 <a:alpha val="100000"/>
               </a:srgbClr>
             </a:solidFill>
-            <a:ln cap="rnd" w="9525">
+            <a:ln cap="rnd" w="13550">
               <a:solidFill>
                 <a:srgbClr val="FFFFFF">
                   <a:alpha val="100000"/>
@@ -2855,41 +2855,6 @@
           </p:nvSpPr>
           <p:spPr>
             <a:xfrm>
-              <a:off y="1825625" x="838200"/>
-              <a:ext cy="4351337" cx="5181599"/>
-            </a:xfrm>
-            <a:prstGeom prst="rect">
-              <a:avLst/>
-            </a:prstGeom>
-            <a:solidFill>
-              <a:srgbClr val="FFFFFF">
-                <a:alpha val="100000"/>
-              </a:srgbClr>
-            </a:solidFill>
-            <a:ln cap="rnd" w="13550">
-              <a:solidFill>
-                <a:srgbClr val="FFFFFF">
-                  <a:alpha val="100000"/>
-                </a:srgbClr>
-              </a:solidFill>
-              <a:prstDash val="solid"/>
-              <a:round/>
-            </a:ln>
-          </p:spPr>
-          <p:txBody>
-            <a:bodyPr/>
-            <a:lstStyle/>
-            <a:p/>
-          </p:txBody>
-        </p:sp>
-        <p:sp>
-          <p:nvSpPr>
-            <p:cNvPr name="rc6" id="6"/>
-            <p:cNvSpPr/>
-            <p:nvPr/>
-          </p:nvSpPr>
-          <p:spPr>
-            <a:xfrm>
               <a:off y="1895214" x="1198837"/>
               <a:ext cy="3907141" cx="3754726"/>
             </a:xfrm>
@@ -2910,7 +2875,7 @@
         </p:sp>
         <p:sp>
           <p:nvSpPr>
-            <p:cNvPr name="pl7" id="7"/>
+            <p:cNvPr name="pl6" id="6"/>
             <p:cNvSpPr/>
             <p:nvPr/>
           </p:nvSpPr>
@@ -2953,7 +2918,7 @@
         </p:sp>
         <p:sp>
           <p:nvSpPr>
-            <p:cNvPr name="pl8" id="8"/>
+            <p:cNvPr name="pl7" id="7"/>
             <p:cNvSpPr/>
             <p:nvPr/>
           </p:nvSpPr>
@@ -2996,7 +2961,7 @@
         </p:sp>
         <p:sp>
           <p:nvSpPr>
-            <p:cNvPr name="pl9" id="9"/>
+            <p:cNvPr name="pl8" id="8"/>
             <p:cNvSpPr/>
             <p:nvPr/>
           </p:nvSpPr>
@@ -3039,7 +3004,7 @@
         </p:sp>
         <p:sp>
           <p:nvSpPr>
-            <p:cNvPr name="pl10" id="10"/>
+            <p:cNvPr name="pl9" id="9"/>
             <p:cNvSpPr/>
             <p:nvPr/>
           </p:nvSpPr>
@@ -3082,7 +3047,7 @@
         </p:sp>
         <p:sp>
           <p:nvSpPr>
-            <p:cNvPr name="pl11" id="11"/>
+            <p:cNvPr name="pl10" id="10"/>
             <p:cNvSpPr/>
             <p:nvPr/>
           </p:nvSpPr>
@@ -3125,7 +3090,7 @@
         </p:sp>
         <p:sp>
           <p:nvSpPr>
-            <p:cNvPr name="pl12" id="12"/>
+            <p:cNvPr name="pl11" id="11"/>
             <p:cNvSpPr/>
             <p:nvPr/>
           </p:nvSpPr>
@@ -3168,7 +3133,7 @@
         </p:sp>
         <p:sp>
           <p:nvSpPr>
-            <p:cNvPr name="pl13" id="13"/>
+            <p:cNvPr name="pl12" id="12"/>
             <p:cNvSpPr/>
             <p:nvPr/>
           </p:nvSpPr>
@@ -3211,7 +3176,7 @@
         </p:sp>
         <p:sp>
           <p:nvSpPr>
-            <p:cNvPr name="pl14" id="14"/>
+            <p:cNvPr name="pl13" id="13"/>
             <p:cNvSpPr/>
             <p:nvPr/>
           </p:nvSpPr>
@@ -3254,7 +3219,7 @@
         </p:sp>
         <p:sp>
           <p:nvSpPr>
-            <p:cNvPr name="pl15" id="15"/>
+            <p:cNvPr name="pl14" id="14"/>
             <p:cNvSpPr/>
             <p:nvPr/>
           </p:nvSpPr>
@@ -3297,7 +3262,7 @@
         </p:sp>
         <p:sp>
           <p:nvSpPr>
-            <p:cNvPr name="pl16" id="16"/>
+            <p:cNvPr name="pl15" id="15"/>
             <p:cNvSpPr/>
             <p:nvPr/>
           </p:nvSpPr>
@@ -3340,7 +3305,7 @@
         </p:sp>
         <p:sp>
           <p:nvSpPr>
-            <p:cNvPr name="pl17" id="17"/>
+            <p:cNvPr name="pl16" id="16"/>
             <p:cNvSpPr/>
             <p:nvPr/>
           </p:nvSpPr>
@@ -3383,7 +3348,7 @@
         </p:sp>
         <p:sp>
           <p:nvSpPr>
-            <p:cNvPr name="pl18" id="18"/>
+            <p:cNvPr name="pl17" id="17"/>
             <p:cNvSpPr/>
             <p:nvPr/>
           </p:nvSpPr>
@@ -3426,7 +3391,7 @@
         </p:sp>
         <p:sp>
           <p:nvSpPr>
-            <p:cNvPr name="pl19" id="19"/>
+            <p:cNvPr name="pl18" id="18"/>
             <p:cNvSpPr/>
             <p:nvPr/>
           </p:nvSpPr>
@@ -3469,7 +3434,7 @@
         </p:sp>
         <p:sp>
           <p:nvSpPr>
-            <p:cNvPr name="pl20" id="20"/>
+            <p:cNvPr name="pl19" id="19"/>
             <p:cNvSpPr/>
             <p:nvPr/>
           </p:nvSpPr>
@@ -3512,7 +3477,7 @@
         </p:sp>
         <p:sp>
           <p:nvSpPr>
-            <p:cNvPr name="pl21" id="21"/>
+            <p:cNvPr name="pl20" id="20"/>
             <p:cNvSpPr/>
             <p:nvPr/>
           </p:nvSpPr>
@@ -3555,7 +3520,7 @@
         </p:sp>
         <p:sp>
           <p:nvSpPr>
-            <p:cNvPr name="pt22" id="22"/>
+            <p:cNvPr name="pt21" id="21"/>
             <p:cNvSpPr/>
             <p:nvPr/>
           </p:nvSpPr>
@@ -3590,7 +3555,7 @@
         </p:sp>
         <p:sp>
           <p:nvSpPr>
-            <p:cNvPr name="pt23" id="23"/>
+            <p:cNvPr name="pt22" id="22"/>
             <p:cNvSpPr/>
             <p:nvPr/>
           </p:nvSpPr>
@@ -3625,7 +3590,7 @@
         </p:sp>
         <p:sp>
           <p:nvSpPr>
-            <p:cNvPr name="pt24" id="24"/>
+            <p:cNvPr name="pt23" id="23"/>
             <p:cNvSpPr/>
             <p:nvPr/>
           </p:nvSpPr>
@@ -3660,7 +3625,7 @@
         </p:sp>
         <p:sp>
           <p:nvSpPr>
-            <p:cNvPr name="pt25" id="25"/>
+            <p:cNvPr name="pt24" id="24"/>
             <p:cNvSpPr/>
             <p:nvPr/>
           </p:nvSpPr>
@@ -3695,7 +3660,7 @@
         </p:sp>
         <p:sp>
           <p:nvSpPr>
-            <p:cNvPr name="pt26" id="26"/>
+            <p:cNvPr name="pt25" id="25"/>
             <p:cNvSpPr/>
             <p:nvPr/>
           </p:nvSpPr>
@@ -3730,7 +3695,7 @@
         </p:sp>
         <p:sp>
           <p:nvSpPr>
-            <p:cNvPr name="pt27" id="27"/>
+            <p:cNvPr name="pt26" id="26"/>
             <p:cNvSpPr/>
             <p:nvPr/>
           </p:nvSpPr>
@@ -3765,7 +3730,7 @@
         </p:sp>
         <p:sp>
           <p:nvSpPr>
-            <p:cNvPr name="pt28" id="28"/>
+            <p:cNvPr name="pt27" id="27"/>
             <p:cNvSpPr/>
             <p:nvPr/>
           </p:nvSpPr>
@@ -3800,7 +3765,7 @@
         </p:sp>
         <p:sp>
           <p:nvSpPr>
-            <p:cNvPr name="pt29" id="29"/>
+            <p:cNvPr name="pt28" id="28"/>
             <p:cNvSpPr/>
             <p:nvPr/>
           </p:nvSpPr>
@@ -3835,7 +3800,7 @@
         </p:sp>
         <p:sp>
           <p:nvSpPr>
-            <p:cNvPr name="pt30" id="30"/>
+            <p:cNvPr name="pt29" id="29"/>
             <p:cNvSpPr/>
             <p:nvPr/>
           </p:nvSpPr>
@@ -3870,7 +3835,7 @@
         </p:sp>
         <p:sp>
           <p:nvSpPr>
-            <p:cNvPr name="pt31" id="31"/>
+            <p:cNvPr name="pt30" id="30"/>
             <p:cNvSpPr/>
             <p:nvPr/>
           </p:nvSpPr>
@@ -3905,7 +3870,7 @@
         </p:sp>
         <p:sp>
           <p:nvSpPr>
-            <p:cNvPr name="pt32" id="32"/>
+            <p:cNvPr name="pt31" id="31"/>
             <p:cNvSpPr/>
             <p:nvPr/>
           </p:nvSpPr>
@@ -3940,7 +3905,7 @@
         </p:sp>
         <p:sp>
           <p:nvSpPr>
-            <p:cNvPr name="pt33" id="33"/>
+            <p:cNvPr name="pt32" id="32"/>
             <p:cNvSpPr/>
             <p:nvPr/>
           </p:nvSpPr>
@@ -3975,7 +3940,7 @@
         </p:sp>
         <p:sp>
           <p:nvSpPr>
-            <p:cNvPr name="pt34" id="34"/>
+            <p:cNvPr name="pt33" id="33"/>
             <p:cNvSpPr/>
             <p:nvPr/>
           </p:nvSpPr>
@@ -4010,7 +3975,7 @@
         </p:sp>
         <p:sp>
           <p:nvSpPr>
-            <p:cNvPr name="pt35" id="35"/>
+            <p:cNvPr name="pt34" id="34"/>
             <p:cNvSpPr/>
             <p:nvPr/>
           </p:nvSpPr>
@@ -4045,7 +4010,7 @@
         </p:sp>
         <p:sp>
           <p:nvSpPr>
-            <p:cNvPr name="pt36" id="36"/>
+            <p:cNvPr name="pt35" id="35"/>
             <p:cNvSpPr/>
             <p:nvPr/>
           </p:nvSpPr>
@@ -4080,7 +4045,7 @@
         </p:sp>
         <p:sp>
           <p:nvSpPr>
-            <p:cNvPr name="pt37" id="37"/>
+            <p:cNvPr name="pt36" id="36"/>
             <p:cNvSpPr/>
             <p:nvPr/>
           </p:nvSpPr>
@@ -4115,7 +4080,7 @@
         </p:sp>
         <p:sp>
           <p:nvSpPr>
-            <p:cNvPr name="pt38" id="38"/>
+            <p:cNvPr name="pt37" id="37"/>
             <p:cNvSpPr/>
             <p:nvPr/>
           </p:nvSpPr>
@@ -4150,7 +4115,7 @@
         </p:sp>
         <p:sp>
           <p:nvSpPr>
-            <p:cNvPr name="pt39" id="39"/>
+            <p:cNvPr name="pt38" id="38"/>
             <p:cNvSpPr/>
             <p:nvPr/>
           </p:nvSpPr>
@@ -4185,7 +4150,7 @@
         </p:sp>
         <p:sp>
           <p:nvSpPr>
-            <p:cNvPr name="pt40" id="40"/>
+            <p:cNvPr name="pt39" id="39"/>
             <p:cNvSpPr/>
             <p:nvPr/>
           </p:nvSpPr>
@@ -4220,7 +4185,7 @@
         </p:sp>
         <p:sp>
           <p:nvSpPr>
-            <p:cNvPr name="pt41" id="41"/>
+            <p:cNvPr name="pt40" id="40"/>
             <p:cNvSpPr/>
             <p:nvPr/>
           </p:nvSpPr>
@@ -4255,7 +4220,7 @@
         </p:sp>
         <p:sp>
           <p:nvSpPr>
-            <p:cNvPr name="pt42" id="42"/>
+            <p:cNvPr name="pt41" id="41"/>
             <p:cNvSpPr/>
             <p:nvPr/>
           </p:nvSpPr>
@@ -4290,7 +4255,7 @@
         </p:sp>
         <p:sp>
           <p:nvSpPr>
-            <p:cNvPr name="pt43" id="43"/>
+            <p:cNvPr name="pt42" id="42"/>
             <p:cNvSpPr/>
             <p:nvPr/>
           </p:nvSpPr>
@@ -4325,7 +4290,7 @@
         </p:sp>
         <p:sp>
           <p:nvSpPr>
-            <p:cNvPr name="pt44" id="44"/>
+            <p:cNvPr name="pt43" id="43"/>
             <p:cNvSpPr/>
             <p:nvPr/>
           </p:nvSpPr>
@@ -4360,7 +4325,7 @@
         </p:sp>
         <p:sp>
           <p:nvSpPr>
-            <p:cNvPr name="pt45" id="45"/>
+            <p:cNvPr name="pt44" id="44"/>
             <p:cNvSpPr/>
             <p:nvPr/>
           </p:nvSpPr>
@@ -4395,7 +4360,7 @@
         </p:sp>
         <p:sp>
           <p:nvSpPr>
-            <p:cNvPr name="pt46" id="46"/>
+            <p:cNvPr name="pt45" id="45"/>
             <p:cNvSpPr/>
             <p:nvPr/>
           </p:nvSpPr>
@@ -4430,7 +4395,7 @@
         </p:sp>
         <p:sp>
           <p:nvSpPr>
-            <p:cNvPr name="pt47" id="47"/>
+            <p:cNvPr name="pt46" id="46"/>
             <p:cNvSpPr/>
             <p:nvPr/>
           </p:nvSpPr>
@@ -4465,7 +4430,7 @@
         </p:sp>
         <p:sp>
           <p:nvSpPr>
-            <p:cNvPr name="pt48" id="48"/>
+            <p:cNvPr name="pt47" id="47"/>
             <p:cNvSpPr/>
             <p:nvPr/>
           </p:nvSpPr>
@@ -4500,7 +4465,7 @@
         </p:sp>
         <p:sp>
           <p:nvSpPr>
-            <p:cNvPr name="pt49" id="49"/>
+            <p:cNvPr name="pt48" id="48"/>
             <p:cNvSpPr/>
             <p:nvPr/>
           </p:nvSpPr>
@@ -4535,7 +4500,7 @@
         </p:sp>
         <p:sp>
           <p:nvSpPr>
-            <p:cNvPr name="pt50" id="50"/>
+            <p:cNvPr name="pt49" id="49"/>
             <p:cNvSpPr/>
             <p:nvPr/>
           </p:nvSpPr>
@@ -4570,7 +4535,7 @@
         </p:sp>
         <p:sp>
           <p:nvSpPr>
-            <p:cNvPr name="pt51" id="51"/>
+            <p:cNvPr name="pt50" id="50"/>
             <p:cNvSpPr/>
             <p:nvPr/>
           </p:nvSpPr>
@@ -4605,7 +4570,7 @@
         </p:sp>
         <p:sp>
           <p:nvSpPr>
-            <p:cNvPr name="pt52" id="52"/>
+            <p:cNvPr name="pt51" id="51"/>
             <p:cNvSpPr/>
             <p:nvPr/>
           </p:nvSpPr>
@@ -4640,7 +4605,7 @@
         </p:sp>
         <p:sp>
           <p:nvSpPr>
-            <p:cNvPr name="pt53" id="53"/>
+            <p:cNvPr name="pt52" id="52"/>
             <p:cNvSpPr/>
             <p:nvPr/>
           </p:nvSpPr>
@@ -4675,7 +4640,7 @@
         </p:sp>
         <p:sp>
           <p:nvSpPr>
-            <p:cNvPr name="pt54" id="54"/>
+            <p:cNvPr name="pt53" id="53"/>
             <p:cNvSpPr/>
             <p:nvPr/>
           </p:nvSpPr>
@@ -4710,7 +4675,7 @@
         </p:sp>
         <p:sp>
           <p:nvSpPr>
-            <p:cNvPr name="pt55" id="55"/>
+            <p:cNvPr name="pt54" id="54"/>
             <p:cNvSpPr/>
             <p:nvPr/>
           </p:nvSpPr>
@@ -4745,7 +4710,7 @@
         </p:sp>
         <p:sp>
           <p:nvSpPr>
-            <p:cNvPr name="pt56" id="56"/>
+            <p:cNvPr name="pt55" id="55"/>
             <p:cNvSpPr/>
             <p:nvPr/>
           </p:nvSpPr>
@@ -4780,7 +4745,7 @@
         </p:sp>
         <p:sp>
           <p:nvSpPr>
-            <p:cNvPr name="pt57" id="57"/>
+            <p:cNvPr name="pt56" id="56"/>
             <p:cNvSpPr/>
             <p:nvPr/>
           </p:nvSpPr>
@@ -4815,7 +4780,7 @@
         </p:sp>
         <p:sp>
           <p:nvSpPr>
-            <p:cNvPr name="pt58" id="58"/>
+            <p:cNvPr name="pt57" id="57"/>
             <p:cNvSpPr/>
             <p:nvPr/>
           </p:nvSpPr>
@@ -4850,7 +4815,7 @@
         </p:sp>
         <p:sp>
           <p:nvSpPr>
-            <p:cNvPr name="pt59" id="59"/>
+            <p:cNvPr name="pt58" id="58"/>
             <p:cNvSpPr/>
             <p:nvPr/>
           </p:nvSpPr>
@@ -4885,7 +4850,7 @@
         </p:sp>
         <p:sp>
           <p:nvSpPr>
-            <p:cNvPr name="pt60" id="60"/>
+            <p:cNvPr name="pt59" id="59"/>
             <p:cNvSpPr/>
             <p:nvPr/>
           </p:nvSpPr>
@@ -4920,7 +4885,7 @@
         </p:sp>
         <p:sp>
           <p:nvSpPr>
-            <p:cNvPr name="pt61" id="61"/>
+            <p:cNvPr name="pt60" id="60"/>
             <p:cNvSpPr/>
             <p:nvPr/>
           </p:nvSpPr>
@@ -4955,7 +4920,7 @@
         </p:sp>
         <p:sp>
           <p:nvSpPr>
-            <p:cNvPr name="pt62" id="62"/>
+            <p:cNvPr name="pt61" id="61"/>
             <p:cNvSpPr/>
             <p:nvPr/>
           </p:nvSpPr>
@@ -4990,7 +4955,7 @@
         </p:sp>
         <p:sp>
           <p:nvSpPr>
-            <p:cNvPr name="pt63" id="63"/>
+            <p:cNvPr name="pt62" id="62"/>
             <p:cNvSpPr/>
             <p:nvPr/>
           </p:nvSpPr>
@@ -5025,7 +4990,7 @@
         </p:sp>
         <p:sp>
           <p:nvSpPr>
-            <p:cNvPr name="pt64" id="64"/>
+            <p:cNvPr name="pt63" id="63"/>
             <p:cNvSpPr/>
             <p:nvPr/>
           </p:nvSpPr>
@@ -5060,7 +5025,7 @@
         </p:sp>
         <p:sp>
           <p:nvSpPr>
-            <p:cNvPr name="pt65" id="65"/>
+            <p:cNvPr name="pt64" id="64"/>
             <p:cNvSpPr/>
             <p:nvPr/>
           </p:nvSpPr>
@@ -5095,7 +5060,7 @@
         </p:sp>
         <p:sp>
           <p:nvSpPr>
-            <p:cNvPr name="pt66" id="66"/>
+            <p:cNvPr name="pt65" id="65"/>
             <p:cNvSpPr/>
             <p:nvPr/>
           </p:nvSpPr>
@@ -5130,7 +5095,7 @@
         </p:sp>
         <p:sp>
           <p:nvSpPr>
-            <p:cNvPr name="pt67" id="67"/>
+            <p:cNvPr name="pt66" id="66"/>
             <p:cNvSpPr/>
             <p:nvPr/>
           </p:nvSpPr>
@@ -5165,7 +5130,7 @@
         </p:sp>
         <p:sp>
           <p:nvSpPr>
-            <p:cNvPr name="pt68" id="68"/>
+            <p:cNvPr name="pt67" id="67"/>
             <p:cNvSpPr/>
             <p:nvPr/>
           </p:nvSpPr>
@@ -5200,7 +5165,7 @@
         </p:sp>
         <p:sp>
           <p:nvSpPr>
-            <p:cNvPr name="pt69" id="69"/>
+            <p:cNvPr name="pt68" id="68"/>
             <p:cNvSpPr/>
             <p:nvPr/>
           </p:nvSpPr>
@@ -5235,7 +5200,7 @@
         </p:sp>
         <p:sp>
           <p:nvSpPr>
-            <p:cNvPr name="pt70" id="70"/>
+            <p:cNvPr name="pt69" id="69"/>
             <p:cNvSpPr/>
             <p:nvPr/>
           </p:nvSpPr>
@@ -5270,7 +5235,7 @@
         </p:sp>
         <p:sp>
           <p:nvSpPr>
-            <p:cNvPr name="pt71" id="71"/>
+            <p:cNvPr name="pt70" id="70"/>
             <p:cNvSpPr/>
             <p:nvPr/>
           </p:nvSpPr>
@@ -5305,7 +5270,7 @@
         </p:sp>
         <p:sp>
           <p:nvSpPr>
-            <p:cNvPr name="pt72" id="72"/>
+            <p:cNvPr name="pt71" id="71"/>
             <p:cNvSpPr/>
             <p:nvPr/>
           </p:nvSpPr>
@@ -5340,7 +5305,7 @@
         </p:sp>
         <p:sp>
           <p:nvSpPr>
-            <p:cNvPr name="pt73" id="73"/>
+            <p:cNvPr name="pt72" id="72"/>
             <p:cNvSpPr/>
             <p:nvPr/>
           </p:nvSpPr>
@@ -5375,7 +5340,7 @@
         </p:sp>
         <p:sp>
           <p:nvSpPr>
-            <p:cNvPr name="pt74" id="74"/>
+            <p:cNvPr name="pt73" id="73"/>
             <p:cNvSpPr/>
             <p:nvPr/>
           </p:nvSpPr>
@@ -5410,7 +5375,7 @@
         </p:sp>
         <p:sp>
           <p:nvSpPr>
-            <p:cNvPr name="pt75" id="75"/>
+            <p:cNvPr name="pt74" id="74"/>
             <p:cNvSpPr/>
             <p:nvPr/>
           </p:nvSpPr>
@@ -5445,7 +5410,7 @@
         </p:sp>
         <p:sp>
           <p:nvSpPr>
-            <p:cNvPr name="pt76" id="76"/>
+            <p:cNvPr name="pt75" id="75"/>
             <p:cNvSpPr/>
             <p:nvPr/>
           </p:nvSpPr>
@@ -5480,7 +5445,7 @@
         </p:sp>
         <p:sp>
           <p:nvSpPr>
-            <p:cNvPr name="pt77" id="77"/>
+            <p:cNvPr name="pt76" id="76"/>
             <p:cNvSpPr/>
             <p:nvPr/>
           </p:nvSpPr>
@@ -5515,7 +5480,7 @@
         </p:sp>
         <p:sp>
           <p:nvSpPr>
-            <p:cNvPr name="pt78" id="78"/>
+            <p:cNvPr name="pt77" id="77"/>
             <p:cNvSpPr/>
             <p:nvPr/>
           </p:nvSpPr>
@@ -5550,7 +5515,7 @@
         </p:sp>
         <p:sp>
           <p:nvSpPr>
-            <p:cNvPr name="pt79" id="79"/>
+            <p:cNvPr name="pt78" id="78"/>
             <p:cNvSpPr/>
             <p:nvPr/>
           </p:nvSpPr>
@@ -5585,7 +5550,7 @@
         </p:sp>
         <p:sp>
           <p:nvSpPr>
-            <p:cNvPr name="pt80" id="80"/>
+            <p:cNvPr name="pt79" id="79"/>
             <p:cNvSpPr/>
             <p:nvPr/>
           </p:nvSpPr>
@@ -5620,7 +5585,7 @@
         </p:sp>
         <p:sp>
           <p:nvSpPr>
-            <p:cNvPr name="pt81" id="81"/>
+            <p:cNvPr name="pt80" id="80"/>
             <p:cNvSpPr/>
             <p:nvPr/>
           </p:nvSpPr>
@@ -5655,7 +5620,7 @@
         </p:sp>
         <p:sp>
           <p:nvSpPr>
-            <p:cNvPr name="pt82" id="82"/>
+            <p:cNvPr name="pt81" id="81"/>
             <p:cNvSpPr/>
             <p:nvPr/>
           </p:nvSpPr>
@@ -5690,7 +5655,7 @@
         </p:sp>
         <p:sp>
           <p:nvSpPr>
-            <p:cNvPr name="pt83" id="83"/>
+            <p:cNvPr name="pt82" id="82"/>
             <p:cNvSpPr/>
             <p:nvPr/>
           </p:nvSpPr>
@@ -5725,7 +5690,7 @@
         </p:sp>
         <p:sp>
           <p:nvSpPr>
-            <p:cNvPr name="pt84" id="84"/>
+            <p:cNvPr name="pt83" id="83"/>
             <p:cNvSpPr/>
             <p:nvPr/>
           </p:nvSpPr>
@@ -5760,7 +5725,7 @@
         </p:sp>
         <p:sp>
           <p:nvSpPr>
-            <p:cNvPr name="pt85" id="85"/>
+            <p:cNvPr name="pt84" id="84"/>
             <p:cNvSpPr/>
             <p:nvPr/>
           </p:nvSpPr>
@@ -5795,7 +5760,7 @@
         </p:sp>
         <p:sp>
           <p:nvSpPr>
-            <p:cNvPr name="pt86" id="86"/>
+            <p:cNvPr name="pt85" id="85"/>
             <p:cNvSpPr/>
             <p:nvPr/>
           </p:nvSpPr>
@@ -5830,7 +5795,7 @@
         </p:sp>
         <p:sp>
           <p:nvSpPr>
-            <p:cNvPr name="pt87" id="87"/>
+            <p:cNvPr name="pt86" id="86"/>
             <p:cNvSpPr/>
             <p:nvPr/>
           </p:nvSpPr>
@@ -5865,7 +5830,7 @@
         </p:sp>
         <p:sp>
           <p:nvSpPr>
-            <p:cNvPr name="pt88" id="88"/>
+            <p:cNvPr name="pt87" id="87"/>
             <p:cNvSpPr/>
             <p:nvPr/>
           </p:nvSpPr>
@@ -5900,7 +5865,7 @@
         </p:sp>
         <p:sp>
           <p:nvSpPr>
-            <p:cNvPr name="pt89" id="89"/>
+            <p:cNvPr name="pt88" id="88"/>
             <p:cNvSpPr/>
             <p:nvPr/>
           </p:nvSpPr>
@@ -5935,7 +5900,7 @@
         </p:sp>
         <p:sp>
           <p:nvSpPr>
-            <p:cNvPr name="pt90" id="90"/>
+            <p:cNvPr name="pt89" id="89"/>
             <p:cNvSpPr/>
             <p:nvPr/>
           </p:nvSpPr>
@@ -5970,7 +5935,7 @@
         </p:sp>
         <p:sp>
           <p:nvSpPr>
-            <p:cNvPr name="pt91" id="91"/>
+            <p:cNvPr name="pt90" id="90"/>
             <p:cNvSpPr/>
             <p:nvPr/>
           </p:nvSpPr>
@@ -6005,7 +5970,7 @@
         </p:sp>
         <p:sp>
           <p:nvSpPr>
-            <p:cNvPr name="pt92" id="92"/>
+            <p:cNvPr name="pt91" id="91"/>
             <p:cNvSpPr/>
             <p:nvPr/>
           </p:nvSpPr>
@@ -6040,7 +6005,7 @@
         </p:sp>
         <p:sp>
           <p:nvSpPr>
-            <p:cNvPr name="pt93" id="93"/>
+            <p:cNvPr name="pt92" id="92"/>
             <p:cNvSpPr/>
             <p:nvPr/>
           </p:nvSpPr>
@@ -6075,7 +6040,7 @@
         </p:sp>
         <p:sp>
           <p:nvSpPr>
-            <p:cNvPr name="pt94" id="94"/>
+            <p:cNvPr name="pt93" id="93"/>
             <p:cNvSpPr/>
             <p:nvPr/>
           </p:nvSpPr>
@@ -6110,7 +6075,7 @@
         </p:sp>
         <p:sp>
           <p:nvSpPr>
-            <p:cNvPr name="pt95" id="95"/>
+            <p:cNvPr name="pt94" id="94"/>
             <p:cNvSpPr/>
             <p:nvPr/>
           </p:nvSpPr>
@@ -6145,7 +6110,7 @@
         </p:sp>
         <p:sp>
           <p:nvSpPr>
-            <p:cNvPr name="pt96" id="96"/>
+            <p:cNvPr name="pt95" id="95"/>
             <p:cNvSpPr/>
             <p:nvPr/>
           </p:nvSpPr>
@@ -6180,7 +6145,7 @@
         </p:sp>
         <p:sp>
           <p:nvSpPr>
-            <p:cNvPr name="pt97" id="97"/>
+            <p:cNvPr name="pt96" id="96"/>
             <p:cNvSpPr/>
             <p:nvPr/>
           </p:nvSpPr>
@@ -6215,7 +6180,7 @@
         </p:sp>
         <p:sp>
           <p:nvSpPr>
-            <p:cNvPr name="pt98" id="98"/>
+            <p:cNvPr name="pt97" id="97"/>
             <p:cNvSpPr/>
             <p:nvPr/>
           </p:nvSpPr>
@@ -6250,7 +6215,7 @@
         </p:sp>
         <p:sp>
           <p:nvSpPr>
-            <p:cNvPr name="pt99" id="99"/>
+            <p:cNvPr name="pt98" id="98"/>
             <p:cNvSpPr/>
             <p:nvPr/>
           </p:nvSpPr>
@@ -6285,7 +6250,7 @@
         </p:sp>
         <p:sp>
           <p:nvSpPr>
-            <p:cNvPr name="pt100" id="100"/>
+            <p:cNvPr name="pt99" id="99"/>
             <p:cNvSpPr/>
             <p:nvPr/>
           </p:nvSpPr>
@@ -6320,7 +6285,7 @@
         </p:sp>
         <p:sp>
           <p:nvSpPr>
-            <p:cNvPr name="pt101" id="101"/>
+            <p:cNvPr name="pt100" id="100"/>
             <p:cNvSpPr/>
             <p:nvPr/>
           </p:nvSpPr>
@@ -6355,7 +6320,7 @@
         </p:sp>
         <p:sp>
           <p:nvSpPr>
-            <p:cNvPr name="pt102" id="102"/>
+            <p:cNvPr name="pt101" id="101"/>
             <p:cNvSpPr/>
             <p:nvPr/>
           </p:nvSpPr>
@@ -6390,7 +6355,7 @@
         </p:sp>
         <p:sp>
           <p:nvSpPr>
-            <p:cNvPr name="pt103" id="103"/>
+            <p:cNvPr name="pt102" id="102"/>
             <p:cNvSpPr/>
             <p:nvPr/>
           </p:nvSpPr>
@@ -6425,7 +6390,7 @@
         </p:sp>
         <p:sp>
           <p:nvSpPr>
-            <p:cNvPr name="pt104" id="104"/>
+            <p:cNvPr name="pt103" id="103"/>
             <p:cNvSpPr/>
             <p:nvPr/>
           </p:nvSpPr>
@@ -6460,7 +6425,7 @@
         </p:sp>
         <p:sp>
           <p:nvSpPr>
-            <p:cNvPr name="pt105" id="105"/>
+            <p:cNvPr name="pt104" id="104"/>
             <p:cNvSpPr/>
             <p:nvPr/>
           </p:nvSpPr>
@@ -6495,7 +6460,7 @@
         </p:sp>
         <p:sp>
           <p:nvSpPr>
-            <p:cNvPr name="pt106" id="106"/>
+            <p:cNvPr name="pt105" id="105"/>
             <p:cNvSpPr/>
             <p:nvPr/>
           </p:nvSpPr>
@@ -6530,7 +6495,7 @@
         </p:sp>
         <p:sp>
           <p:nvSpPr>
-            <p:cNvPr name="pt107" id="107"/>
+            <p:cNvPr name="pt106" id="106"/>
             <p:cNvSpPr/>
             <p:nvPr/>
           </p:nvSpPr>
@@ -6565,7 +6530,7 @@
         </p:sp>
         <p:sp>
           <p:nvSpPr>
-            <p:cNvPr name="pt108" id="108"/>
+            <p:cNvPr name="pt107" id="107"/>
             <p:cNvSpPr/>
             <p:nvPr/>
           </p:nvSpPr>
@@ -6600,7 +6565,7 @@
         </p:sp>
         <p:sp>
           <p:nvSpPr>
-            <p:cNvPr name="pt109" id="109"/>
+            <p:cNvPr name="pt108" id="108"/>
             <p:cNvSpPr/>
             <p:nvPr/>
           </p:nvSpPr>
@@ -6635,7 +6600,7 @@
         </p:sp>
         <p:sp>
           <p:nvSpPr>
-            <p:cNvPr name="pt110" id="110"/>
+            <p:cNvPr name="pt109" id="109"/>
             <p:cNvSpPr/>
             <p:nvPr/>
           </p:nvSpPr>
@@ -6670,7 +6635,7 @@
         </p:sp>
         <p:sp>
           <p:nvSpPr>
-            <p:cNvPr name="pt111" id="111"/>
+            <p:cNvPr name="pt110" id="110"/>
             <p:cNvSpPr/>
             <p:nvPr/>
           </p:nvSpPr>
@@ -6705,7 +6670,7 @@
         </p:sp>
         <p:sp>
           <p:nvSpPr>
-            <p:cNvPr name="pt112" id="112"/>
+            <p:cNvPr name="pt111" id="111"/>
             <p:cNvSpPr/>
             <p:nvPr/>
           </p:nvSpPr>
@@ -6740,7 +6705,7 @@
         </p:sp>
         <p:sp>
           <p:nvSpPr>
-            <p:cNvPr name="pt113" id="113"/>
+            <p:cNvPr name="pt112" id="112"/>
             <p:cNvSpPr/>
             <p:nvPr/>
           </p:nvSpPr>
@@ -6775,7 +6740,7 @@
         </p:sp>
         <p:sp>
           <p:nvSpPr>
-            <p:cNvPr name="pt114" id="114"/>
+            <p:cNvPr name="pt113" id="113"/>
             <p:cNvSpPr/>
             <p:nvPr/>
           </p:nvSpPr>
@@ -6810,7 +6775,7 @@
         </p:sp>
         <p:sp>
           <p:nvSpPr>
-            <p:cNvPr name="pt115" id="115"/>
+            <p:cNvPr name="pt114" id="114"/>
             <p:cNvSpPr/>
             <p:nvPr/>
           </p:nvSpPr>
@@ -6845,7 +6810,7 @@
         </p:sp>
         <p:sp>
           <p:nvSpPr>
-            <p:cNvPr name="pt116" id="116"/>
+            <p:cNvPr name="pt115" id="115"/>
             <p:cNvSpPr/>
             <p:nvPr/>
           </p:nvSpPr>
@@ -6880,7 +6845,7 @@
         </p:sp>
         <p:sp>
           <p:nvSpPr>
-            <p:cNvPr name="pt117" id="117"/>
+            <p:cNvPr name="pt116" id="116"/>
             <p:cNvSpPr/>
             <p:nvPr/>
           </p:nvSpPr>
@@ -6915,7 +6880,7 @@
         </p:sp>
         <p:sp>
           <p:nvSpPr>
-            <p:cNvPr name="pt118" id="118"/>
+            <p:cNvPr name="pt117" id="117"/>
             <p:cNvSpPr/>
             <p:nvPr/>
           </p:nvSpPr>
@@ -6950,7 +6915,7 @@
         </p:sp>
         <p:sp>
           <p:nvSpPr>
-            <p:cNvPr name="pt119" id="119"/>
+            <p:cNvPr name="pt118" id="118"/>
             <p:cNvSpPr/>
             <p:nvPr/>
           </p:nvSpPr>
@@ -6985,7 +6950,7 @@
         </p:sp>
         <p:sp>
           <p:nvSpPr>
-            <p:cNvPr name="pt120" id="120"/>
+            <p:cNvPr name="pt119" id="119"/>
             <p:cNvSpPr/>
             <p:nvPr/>
           </p:nvSpPr>
@@ -7020,7 +6985,7 @@
         </p:sp>
         <p:sp>
           <p:nvSpPr>
-            <p:cNvPr name="pt121" id="121"/>
+            <p:cNvPr name="pt120" id="120"/>
             <p:cNvSpPr/>
             <p:nvPr/>
           </p:nvSpPr>
@@ -7055,7 +7020,7 @@
         </p:sp>
         <p:sp>
           <p:nvSpPr>
-            <p:cNvPr name="pt122" id="122"/>
+            <p:cNvPr name="pt121" id="121"/>
             <p:cNvSpPr/>
             <p:nvPr/>
           </p:nvSpPr>
@@ -7090,7 +7055,7 @@
         </p:sp>
         <p:sp>
           <p:nvSpPr>
-            <p:cNvPr name="pt123" id="123"/>
+            <p:cNvPr name="pt122" id="122"/>
             <p:cNvSpPr/>
             <p:nvPr/>
           </p:nvSpPr>
@@ -7125,7 +7090,7 @@
         </p:sp>
         <p:sp>
           <p:nvSpPr>
-            <p:cNvPr name="pt124" id="124"/>
+            <p:cNvPr name="pt123" id="123"/>
             <p:cNvSpPr/>
             <p:nvPr/>
           </p:nvSpPr>
@@ -7160,7 +7125,7 @@
         </p:sp>
         <p:sp>
           <p:nvSpPr>
-            <p:cNvPr name="pt125" id="125"/>
+            <p:cNvPr name="pt124" id="124"/>
             <p:cNvSpPr/>
             <p:nvPr/>
           </p:nvSpPr>
@@ -7195,7 +7160,7 @@
         </p:sp>
         <p:sp>
           <p:nvSpPr>
-            <p:cNvPr name="pt126" id="126"/>
+            <p:cNvPr name="pt125" id="125"/>
             <p:cNvSpPr/>
             <p:nvPr/>
           </p:nvSpPr>
@@ -7230,7 +7195,7 @@
         </p:sp>
         <p:sp>
           <p:nvSpPr>
-            <p:cNvPr name="pt127" id="127"/>
+            <p:cNvPr name="pt126" id="126"/>
             <p:cNvSpPr/>
             <p:nvPr/>
           </p:nvSpPr>
@@ -7265,7 +7230,7 @@
         </p:sp>
         <p:sp>
           <p:nvSpPr>
-            <p:cNvPr name="pt128" id="128"/>
+            <p:cNvPr name="pt127" id="127"/>
             <p:cNvSpPr/>
             <p:nvPr/>
           </p:nvSpPr>
@@ -7300,7 +7265,7 @@
         </p:sp>
         <p:sp>
           <p:nvSpPr>
-            <p:cNvPr name="pt129" id="129"/>
+            <p:cNvPr name="pt128" id="128"/>
             <p:cNvSpPr/>
             <p:nvPr/>
           </p:nvSpPr>
@@ -7335,7 +7300,7 @@
         </p:sp>
         <p:sp>
           <p:nvSpPr>
-            <p:cNvPr name="pt130" id="130"/>
+            <p:cNvPr name="pt129" id="129"/>
             <p:cNvSpPr/>
             <p:nvPr/>
           </p:nvSpPr>
@@ -7370,7 +7335,7 @@
         </p:sp>
         <p:sp>
           <p:nvSpPr>
-            <p:cNvPr name="pt131" id="131"/>
+            <p:cNvPr name="pt130" id="130"/>
             <p:cNvSpPr/>
             <p:nvPr/>
           </p:nvSpPr>
@@ -7405,7 +7370,7 @@
         </p:sp>
         <p:sp>
           <p:nvSpPr>
-            <p:cNvPr name="pt132" id="132"/>
+            <p:cNvPr name="pt131" id="131"/>
             <p:cNvSpPr/>
             <p:nvPr/>
           </p:nvSpPr>
@@ -7440,7 +7405,7 @@
         </p:sp>
         <p:sp>
           <p:nvSpPr>
-            <p:cNvPr name="pt133" id="133"/>
+            <p:cNvPr name="pt132" id="132"/>
             <p:cNvSpPr/>
             <p:nvPr/>
           </p:nvSpPr>
@@ -7475,7 +7440,7 @@
         </p:sp>
         <p:sp>
           <p:nvSpPr>
-            <p:cNvPr name="pt134" id="134"/>
+            <p:cNvPr name="pt133" id="133"/>
             <p:cNvSpPr/>
             <p:nvPr/>
           </p:nvSpPr>
@@ -7510,7 +7475,7 @@
         </p:sp>
         <p:sp>
           <p:nvSpPr>
-            <p:cNvPr name="pt135" id="135"/>
+            <p:cNvPr name="pt134" id="134"/>
             <p:cNvSpPr/>
             <p:nvPr/>
           </p:nvSpPr>
@@ -7545,7 +7510,7 @@
         </p:sp>
         <p:sp>
           <p:nvSpPr>
-            <p:cNvPr name="pt136" id="136"/>
+            <p:cNvPr name="pt135" id="135"/>
             <p:cNvSpPr/>
             <p:nvPr/>
           </p:nvSpPr>
@@ -7580,7 +7545,7 @@
         </p:sp>
         <p:sp>
           <p:nvSpPr>
-            <p:cNvPr name="pt137" id="137"/>
+            <p:cNvPr name="pt136" id="136"/>
             <p:cNvSpPr/>
             <p:nvPr/>
           </p:nvSpPr>
@@ -7615,7 +7580,7 @@
         </p:sp>
         <p:sp>
           <p:nvSpPr>
-            <p:cNvPr name="pt138" id="138"/>
+            <p:cNvPr name="pt137" id="137"/>
             <p:cNvSpPr/>
             <p:nvPr/>
           </p:nvSpPr>
@@ -7650,7 +7615,7 @@
         </p:sp>
         <p:sp>
           <p:nvSpPr>
-            <p:cNvPr name="pt139" id="139"/>
+            <p:cNvPr name="pt138" id="138"/>
             <p:cNvSpPr/>
             <p:nvPr/>
           </p:nvSpPr>
@@ -7685,7 +7650,7 @@
         </p:sp>
         <p:sp>
           <p:nvSpPr>
-            <p:cNvPr name="pt140" id="140"/>
+            <p:cNvPr name="pt139" id="139"/>
             <p:cNvSpPr/>
             <p:nvPr/>
           </p:nvSpPr>
@@ -7720,7 +7685,7 @@
         </p:sp>
         <p:sp>
           <p:nvSpPr>
-            <p:cNvPr name="pt141" id="141"/>
+            <p:cNvPr name="pt140" id="140"/>
             <p:cNvSpPr/>
             <p:nvPr/>
           </p:nvSpPr>
@@ -7755,7 +7720,7 @@
         </p:sp>
         <p:sp>
           <p:nvSpPr>
-            <p:cNvPr name="pt142" id="142"/>
+            <p:cNvPr name="pt141" id="141"/>
             <p:cNvSpPr/>
             <p:nvPr/>
           </p:nvSpPr>
@@ -7790,7 +7755,7 @@
         </p:sp>
         <p:sp>
           <p:nvSpPr>
-            <p:cNvPr name="pt143" id="143"/>
+            <p:cNvPr name="pt142" id="142"/>
             <p:cNvSpPr/>
             <p:nvPr/>
           </p:nvSpPr>
@@ -7825,7 +7790,7 @@
         </p:sp>
         <p:sp>
           <p:nvSpPr>
-            <p:cNvPr name="pt144" id="144"/>
+            <p:cNvPr name="pt143" id="143"/>
             <p:cNvSpPr/>
             <p:nvPr/>
           </p:nvSpPr>
@@ -7860,7 +7825,7 @@
         </p:sp>
         <p:sp>
           <p:nvSpPr>
-            <p:cNvPr name="pt145" id="145"/>
+            <p:cNvPr name="pt144" id="144"/>
             <p:cNvSpPr/>
             <p:nvPr/>
           </p:nvSpPr>
@@ -7895,7 +7860,7 @@
         </p:sp>
         <p:sp>
           <p:nvSpPr>
-            <p:cNvPr name="pt146" id="146"/>
+            <p:cNvPr name="pt145" id="145"/>
             <p:cNvSpPr/>
             <p:nvPr/>
           </p:nvSpPr>
@@ -7930,7 +7895,7 @@
         </p:sp>
         <p:sp>
           <p:nvSpPr>
-            <p:cNvPr name="pt147" id="147"/>
+            <p:cNvPr name="pt146" id="146"/>
             <p:cNvSpPr/>
             <p:nvPr/>
           </p:nvSpPr>
@@ -7965,7 +7930,7 @@
         </p:sp>
         <p:sp>
           <p:nvSpPr>
-            <p:cNvPr name="pt148" id="148"/>
+            <p:cNvPr name="pt147" id="147"/>
             <p:cNvSpPr/>
             <p:nvPr/>
           </p:nvSpPr>
@@ -8000,7 +7965,7 @@
         </p:sp>
         <p:sp>
           <p:nvSpPr>
-            <p:cNvPr name="pt149" id="149"/>
+            <p:cNvPr name="pt148" id="148"/>
             <p:cNvSpPr/>
             <p:nvPr/>
           </p:nvSpPr>
@@ -8035,7 +8000,7 @@
         </p:sp>
         <p:sp>
           <p:nvSpPr>
-            <p:cNvPr name="pt150" id="150"/>
+            <p:cNvPr name="pt149" id="149"/>
             <p:cNvSpPr/>
             <p:nvPr/>
           </p:nvSpPr>
@@ -8070,7 +8035,7 @@
         </p:sp>
         <p:sp>
           <p:nvSpPr>
-            <p:cNvPr name="pt151" id="151"/>
+            <p:cNvPr name="pt150" id="150"/>
             <p:cNvSpPr/>
             <p:nvPr/>
           </p:nvSpPr>
@@ -8105,7 +8070,7 @@
         </p:sp>
         <p:sp>
           <p:nvSpPr>
-            <p:cNvPr name="pt152" id="152"/>
+            <p:cNvPr name="pt151" id="151"/>
             <p:cNvSpPr/>
             <p:nvPr/>
           </p:nvSpPr>
@@ -8140,7 +8105,7 @@
         </p:sp>
         <p:sp>
           <p:nvSpPr>
-            <p:cNvPr name="pt153" id="153"/>
+            <p:cNvPr name="pt152" id="152"/>
             <p:cNvSpPr/>
             <p:nvPr/>
           </p:nvSpPr>
@@ -8175,7 +8140,7 @@
         </p:sp>
         <p:sp>
           <p:nvSpPr>
-            <p:cNvPr name="pt154" id="154"/>
+            <p:cNvPr name="pt153" id="153"/>
             <p:cNvSpPr/>
             <p:nvPr/>
           </p:nvSpPr>
@@ -8210,7 +8175,7 @@
         </p:sp>
         <p:sp>
           <p:nvSpPr>
-            <p:cNvPr name="pt155" id="155"/>
+            <p:cNvPr name="pt154" id="154"/>
             <p:cNvSpPr/>
             <p:nvPr/>
           </p:nvSpPr>
@@ -8245,7 +8210,7 @@
         </p:sp>
         <p:sp>
           <p:nvSpPr>
-            <p:cNvPr name="pt156" id="156"/>
+            <p:cNvPr name="pt155" id="155"/>
             <p:cNvSpPr/>
             <p:nvPr/>
           </p:nvSpPr>
@@ -8280,7 +8245,7 @@
         </p:sp>
         <p:sp>
           <p:nvSpPr>
-            <p:cNvPr name="pt157" id="157"/>
+            <p:cNvPr name="pt156" id="156"/>
             <p:cNvSpPr/>
             <p:nvPr/>
           </p:nvSpPr>
@@ -8315,7 +8280,7 @@
         </p:sp>
         <p:sp>
           <p:nvSpPr>
-            <p:cNvPr name="pt158" id="158"/>
+            <p:cNvPr name="pt157" id="157"/>
             <p:cNvSpPr/>
             <p:nvPr/>
           </p:nvSpPr>
@@ -8350,7 +8315,7 @@
         </p:sp>
         <p:sp>
           <p:nvSpPr>
-            <p:cNvPr name="pt159" id="159"/>
+            <p:cNvPr name="pt158" id="158"/>
             <p:cNvSpPr/>
             <p:nvPr/>
           </p:nvSpPr>
@@ -8385,7 +8350,7 @@
         </p:sp>
         <p:sp>
           <p:nvSpPr>
-            <p:cNvPr name="pt160" id="160"/>
+            <p:cNvPr name="pt159" id="159"/>
             <p:cNvSpPr/>
             <p:nvPr/>
           </p:nvSpPr>
@@ -8420,7 +8385,7 @@
         </p:sp>
         <p:sp>
           <p:nvSpPr>
-            <p:cNvPr name="pt161" id="161"/>
+            <p:cNvPr name="pt160" id="160"/>
             <p:cNvSpPr/>
             <p:nvPr/>
           </p:nvSpPr>
@@ -8455,7 +8420,7 @@
         </p:sp>
         <p:sp>
           <p:nvSpPr>
-            <p:cNvPr name="pt162" id="162"/>
+            <p:cNvPr name="pt161" id="161"/>
             <p:cNvSpPr/>
             <p:nvPr/>
           </p:nvSpPr>
@@ -8490,7 +8455,7 @@
         </p:sp>
         <p:sp>
           <p:nvSpPr>
-            <p:cNvPr name="pt163" id="163"/>
+            <p:cNvPr name="pt162" id="162"/>
             <p:cNvSpPr/>
             <p:nvPr/>
           </p:nvSpPr>
@@ -8525,7 +8490,7 @@
         </p:sp>
         <p:sp>
           <p:nvSpPr>
-            <p:cNvPr name="pt164" id="164"/>
+            <p:cNvPr name="pt163" id="163"/>
             <p:cNvSpPr/>
             <p:nvPr/>
           </p:nvSpPr>
@@ -8560,7 +8525,7 @@
         </p:sp>
         <p:sp>
           <p:nvSpPr>
-            <p:cNvPr name="pt165" id="165"/>
+            <p:cNvPr name="pt164" id="164"/>
             <p:cNvSpPr/>
             <p:nvPr/>
           </p:nvSpPr>
@@ -8595,7 +8560,7 @@
         </p:sp>
         <p:sp>
           <p:nvSpPr>
-            <p:cNvPr name="pt166" id="166"/>
+            <p:cNvPr name="pt165" id="165"/>
             <p:cNvSpPr/>
             <p:nvPr/>
           </p:nvSpPr>
@@ -8630,7 +8595,7 @@
         </p:sp>
         <p:sp>
           <p:nvSpPr>
-            <p:cNvPr name="pt167" id="167"/>
+            <p:cNvPr name="pt166" id="166"/>
             <p:cNvSpPr/>
             <p:nvPr/>
           </p:nvSpPr>
@@ -8665,7 +8630,7 @@
         </p:sp>
         <p:sp>
           <p:nvSpPr>
-            <p:cNvPr name="pt168" id="168"/>
+            <p:cNvPr name="pt167" id="167"/>
             <p:cNvSpPr/>
             <p:nvPr/>
           </p:nvSpPr>
@@ -8700,7 +8665,7 @@
         </p:sp>
         <p:sp>
           <p:nvSpPr>
-            <p:cNvPr name="pt169" id="169"/>
+            <p:cNvPr name="pt168" id="168"/>
             <p:cNvSpPr/>
             <p:nvPr/>
           </p:nvSpPr>
@@ -8735,7 +8700,7 @@
         </p:sp>
         <p:sp>
           <p:nvSpPr>
-            <p:cNvPr name="pt170" id="170"/>
+            <p:cNvPr name="pt169" id="169"/>
             <p:cNvSpPr/>
             <p:nvPr/>
           </p:nvSpPr>
@@ -8770,7 +8735,7 @@
         </p:sp>
         <p:sp>
           <p:nvSpPr>
-            <p:cNvPr name="pt171" id="171"/>
+            <p:cNvPr name="pt170" id="170"/>
             <p:cNvSpPr/>
             <p:nvPr/>
           </p:nvSpPr>
@@ -8805,7 +8770,7 @@
         </p:sp>
         <p:sp>
           <p:nvSpPr>
-            <p:cNvPr name="tx172" id="172"/>
+            <p:cNvPr name="tx171" id="171"/>
             <p:cNvSpPr/>
             <p:nvPr/>
           </p:nvSpPr>
@@ -8851,7 +8816,7 @@
         </p:sp>
         <p:sp>
           <p:nvSpPr>
-            <p:cNvPr name="tx173" id="173"/>
+            <p:cNvPr name="tx172" id="172"/>
             <p:cNvSpPr/>
             <p:nvPr/>
           </p:nvSpPr>
@@ -8897,7 +8862,7 @@
         </p:sp>
         <p:sp>
           <p:nvSpPr>
-            <p:cNvPr name="tx174" id="174"/>
+            <p:cNvPr name="tx173" id="173"/>
             <p:cNvSpPr/>
             <p:nvPr/>
           </p:nvSpPr>
@@ -8943,7 +8908,7 @@
         </p:sp>
         <p:sp>
           <p:nvSpPr>
-            <p:cNvPr name="pl175" id="175"/>
+            <p:cNvPr name="pl174" id="174"/>
             <p:cNvSpPr/>
             <p:nvPr/>
           </p:nvSpPr>
@@ -8983,7 +8948,7 @@
         </p:sp>
         <p:sp>
           <p:nvSpPr>
-            <p:cNvPr name="pl176" id="176"/>
+            <p:cNvPr name="pl175" id="175"/>
             <p:cNvSpPr/>
             <p:nvPr/>
           </p:nvSpPr>
@@ -9023,7 +8988,7 @@
         </p:sp>
         <p:sp>
           <p:nvSpPr>
-            <p:cNvPr name="pl177" id="177"/>
+            <p:cNvPr name="pl176" id="176"/>
             <p:cNvSpPr/>
             <p:nvPr/>
           </p:nvSpPr>
@@ -9063,7 +9028,7 @@
         </p:sp>
         <p:sp>
           <p:nvSpPr>
-            <p:cNvPr name="pl178" id="178"/>
+            <p:cNvPr name="pl177" id="177"/>
             <p:cNvSpPr/>
             <p:nvPr/>
           </p:nvSpPr>
@@ -9103,7 +9068,7 @@
         </p:sp>
         <p:sp>
           <p:nvSpPr>
-            <p:cNvPr name="pl179" id="179"/>
+            <p:cNvPr name="pl178" id="178"/>
             <p:cNvSpPr/>
             <p:nvPr/>
           </p:nvSpPr>
@@ -9143,7 +9108,7 @@
         </p:sp>
         <p:sp>
           <p:nvSpPr>
-            <p:cNvPr name="pl180" id="180"/>
+            <p:cNvPr name="pl179" id="179"/>
             <p:cNvSpPr/>
             <p:nvPr/>
           </p:nvSpPr>
@@ -9183,7 +9148,7 @@
         </p:sp>
         <p:sp>
           <p:nvSpPr>
-            <p:cNvPr name="pl181" id="181"/>
+            <p:cNvPr name="pl180" id="180"/>
             <p:cNvSpPr/>
             <p:nvPr/>
           </p:nvSpPr>
@@ -9223,7 +9188,7 @@
         </p:sp>
         <p:sp>
           <p:nvSpPr>
-            <p:cNvPr name="tx182" id="182"/>
+            <p:cNvPr name="tx181" id="181"/>
             <p:cNvSpPr/>
             <p:nvPr/>
           </p:nvSpPr>
@@ -9269,7 +9234,7 @@
         </p:sp>
         <p:sp>
           <p:nvSpPr>
-            <p:cNvPr name="tx183" id="183"/>
+            <p:cNvPr name="tx182" id="182"/>
             <p:cNvSpPr/>
             <p:nvPr/>
           </p:nvSpPr>
@@ -9315,7 +9280,7 @@
         </p:sp>
         <p:sp>
           <p:nvSpPr>
-            <p:cNvPr name="tx184" id="184"/>
+            <p:cNvPr name="tx183" id="183"/>
             <p:cNvSpPr/>
             <p:nvPr/>
           </p:nvSpPr>
@@ -9361,7 +9326,7 @@
         </p:sp>
         <p:sp>
           <p:nvSpPr>
-            <p:cNvPr name="tx185" id="185"/>
+            <p:cNvPr name="tx184" id="184"/>
             <p:cNvSpPr/>
             <p:nvPr/>
           </p:nvSpPr>
@@ -9407,7 +9372,7 @@
         </p:sp>
         <p:sp>
           <p:nvSpPr>
-            <p:cNvPr name="tx186" id="186"/>
+            <p:cNvPr name="tx185" id="185"/>
             <p:cNvSpPr/>
             <p:nvPr/>
           </p:nvSpPr>
@@ -9453,7 +9418,7 @@
         </p:sp>
         <p:sp>
           <p:nvSpPr>
-            <p:cNvPr name="tx187" id="187"/>
+            <p:cNvPr name="tx186" id="186"/>
             <p:cNvSpPr/>
             <p:nvPr/>
           </p:nvSpPr>
@@ -9499,7 +9464,7 @@
         </p:sp>
         <p:sp>
           <p:nvSpPr>
-            <p:cNvPr name="rc188" id="188"/>
+            <p:cNvPr name="rc187" id="187"/>
             <p:cNvSpPr/>
             <p:nvPr/>
           </p:nvSpPr>
@@ -9525,7 +9490,7 @@
         </p:sp>
         <p:sp>
           <p:nvSpPr>
-            <p:cNvPr name="tx189" id="189"/>
+            <p:cNvPr name="tx188" id="188"/>
             <p:cNvSpPr/>
             <p:nvPr/>
           </p:nvSpPr>
@@ -9571,7 +9536,7 @@
         </p:sp>
         <p:sp>
           <p:nvSpPr>
-            <p:cNvPr name="rc190" id="190"/>
+            <p:cNvPr name="rc189" id="189"/>
             <p:cNvSpPr/>
             <p:nvPr/>
           </p:nvSpPr>
@@ -9606,7 +9571,7 @@
         </p:sp>
         <p:sp>
           <p:nvSpPr>
-            <p:cNvPr name="pt191" id="191"/>
+            <p:cNvPr name="pt190" id="190"/>
             <p:cNvSpPr/>
             <p:nvPr/>
           </p:nvSpPr>
@@ -9641,7 +9606,7 @@
         </p:sp>
         <p:sp>
           <p:nvSpPr>
-            <p:cNvPr name="rc192" id="192"/>
+            <p:cNvPr name="rc191" id="191"/>
             <p:cNvSpPr/>
             <p:nvPr/>
           </p:nvSpPr>
@@ -9676,7 +9641,7 @@
         </p:sp>
         <p:sp>
           <p:nvSpPr>
-            <p:cNvPr name="pt193" id="193"/>
+            <p:cNvPr name="pt192" id="192"/>
             <p:cNvSpPr/>
             <p:nvPr/>
           </p:nvSpPr>
@@ -9711,7 +9676,7 @@
         </p:sp>
         <p:sp>
           <p:nvSpPr>
-            <p:cNvPr name="rc194" id="194"/>
+            <p:cNvPr name="rc193" id="193"/>
             <p:cNvSpPr/>
             <p:nvPr/>
           </p:nvSpPr>
@@ -9746,7 +9711,7 @@
         </p:sp>
         <p:sp>
           <p:nvSpPr>
-            <p:cNvPr name="pt195" id="195"/>
+            <p:cNvPr name="pt194" id="194"/>
             <p:cNvSpPr/>
             <p:nvPr/>
           </p:nvSpPr>
@@ -9781,7 +9746,7 @@
         </p:sp>
         <p:sp>
           <p:nvSpPr>
-            <p:cNvPr name="rc196" id="196"/>
+            <p:cNvPr name="rc195" id="195"/>
             <p:cNvSpPr/>
             <p:nvPr/>
           </p:nvSpPr>
@@ -9816,7 +9781,7 @@
         </p:sp>
         <p:sp>
           <p:nvSpPr>
-            <p:cNvPr name="pt197" id="197"/>
+            <p:cNvPr name="pt196" id="196"/>
             <p:cNvSpPr/>
             <p:nvPr/>
           </p:nvSpPr>
@@ -9851,7 +9816,7 @@
         </p:sp>
         <p:sp>
           <p:nvSpPr>
-            <p:cNvPr name="rc198" id="198"/>
+            <p:cNvPr name="rc197" id="197"/>
             <p:cNvSpPr/>
             <p:nvPr/>
           </p:nvSpPr>
@@ -9886,7 +9851,7 @@
         </p:sp>
         <p:sp>
           <p:nvSpPr>
-            <p:cNvPr name="pt199" id="199"/>
+            <p:cNvPr name="pt198" id="198"/>
             <p:cNvSpPr/>
             <p:nvPr/>
           </p:nvSpPr>
@@ -9921,7 +9886,7 @@
         </p:sp>
         <p:sp>
           <p:nvSpPr>
-            <p:cNvPr name="tx200" id="200"/>
+            <p:cNvPr name="tx199" id="199"/>
             <p:cNvSpPr/>
             <p:nvPr/>
           </p:nvSpPr>
@@ -9967,7 +9932,7 @@
         </p:sp>
         <p:sp>
           <p:nvSpPr>
-            <p:cNvPr name="tx201" id="201"/>
+            <p:cNvPr name="tx200" id="200"/>
             <p:cNvSpPr/>
             <p:nvPr/>
           </p:nvSpPr>
@@ -10013,7 +9978,7 @@
         </p:sp>
         <p:sp>
           <p:nvSpPr>
-            <p:cNvPr name="tx202" id="202"/>
+            <p:cNvPr name="tx201" id="201"/>
             <p:cNvSpPr/>
             <p:nvPr/>
           </p:nvSpPr>
@@ -10059,7 +10024,7 @@
         </p:sp>
         <p:sp>
           <p:nvSpPr>
-            <p:cNvPr name="tx203" id="203"/>
+            <p:cNvPr name="tx202" id="202"/>
             <p:cNvSpPr/>
             <p:nvPr/>
           </p:nvSpPr>
@@ -10105,7 +10070,7 @@
         </p:sp>
         <p:sp>
           <p:nvSpPr>
-            <p:cNvPr name="tx204" id="204"/>
+            <p:cNvPr name="tx203" id="203"/>
             <p:cNvSpPr/>
             <p:nvPr/>
           </p:nvSpPr>
@@ -10151,7 +10116,7 @@
         </p:sp>
         <p:sp>
           <p:nvSpPr>
-            <p:cNvPr name="rc205" id="205"/>
+            <p:cNvPr name="rc204" id="204"/>
             <p:cNvSpPr/>
             <p:nvPr/>
           </p:nvSpPr>
@@ -10177,7 +10142,7 @@
         </p:sp>
         <p:sp>
           <p:nvSpPr>
-            <p:cNvPr name="tx206" id="206"/>
+            <p:cNvPr name="tx205" id="205"/>
             <p:cNvSpPr/>
             <p:nvPr/>
           </p:nvSpPr>
@@ -10223,7 +10188,7 @@
         </p:sp>
         <p:sp>
           <p:nvSpPr>
-            <p:cNvPr name="rc207" id="207"/>
+            <p:cNvPr name="rc206" id="206"/>
             <p:cNvSpPr/>
             <p:nvPr/>
           </p:nvSpPr>
@@ -10258,7 +10223,7 @@
         </p:sp>
         <p:sp>
           <p:nvSpPr>
-            <p:cNvPr name="pt208" id="208"/>
+            <p:cNvPr name="pt207" id="207"/>
             <p:cNvSpPr/>
             <p:nvPr/>
           </p:nvSpPr>
@@ -10293,7 +10258,7 @@
         </p:sp>
         <p:sp>
           <p:nvSpPr>
-            <p:cNvPr name="rc209" id="209"/>
+            <p:cNvPr name="rc208" id="208"/>
             <p:cNvSpPr/>
             <p:nvPr/>
           </p:nvSpPr>
@@ -10328,7 +10293,7 @@
         </p:sp>
         <p:sp>
           <p:nvSpPr>
-            <p:cNvPr name="pt210" id="210"/>
+            <p:cNvPr name="pt209" id="209"/>
             <p:cNvSpPr/>
             <p:nvPr/>
           </p:nvSpPr>
@@ -10363,7 +10328,7 @@
         </p:sp>
         <p:sp>
           <p:nvSpPr>
-            <p:cNvPr name="rc211" id="211"/>
+            <p:cNvPr name="rc210" id="210"/>
             <p:cNvSpPr/>
             <p:nvPr/>
           </p:nvSpPr>
@@ -10398,7 +10363,7 @@
         </p:sp>
         <p:sp>
           <p:nvSpPr>
-            <p:cNvPr name="pt212" id="212"/>
+            <p:cNvPr name="pt211" id="211"/>
             <p:cNvSpPr/>
             <p:nvPr/>
           </p:nvSpPr>
@@ -10433,7 +10398,7 @@
         </p:sp>
         <p:sp>
           <p:nvSpPr>
-            <p:cNvPr name="tx213" id="213"/>
+            <p:cNvPr name="tx212" id="212"/>
             <p:cNvSpPr/>
             <p:nvPr/>
           </p:nvSpPr>
@@ -10479,7 +10444,7 @@
         </p:sp>
         <p:sp>
           <p:nvSpPr>
-            <p:cNvPr name="tx214" id="214"/>
+            <p:cNvPr name="tx213" id="213"/>
             <p:cNvSpPr/>
             <p:nvPr/>
           </p:nvSpPr>
@@ -10525,7 +10490,7 @@
         </p:sp>
         <p:sp>
           <p:nvSpPr>
-            <p:cNvPr name="tx215" id="215"/>
+            <p:cNvPr name="tx214" id="214"/>
             <p:cNvSpPr/>
             <p:nvPr/>
           </p:nvSpPr>
